--- a/doc/documentation.pptx
+++ b/doc/documentation.pptx
@@ -4,6 +4,9 @@
   <p:sldMasterIdLst>
     <p:sldMasterId id="2147483648" r:id="rId1"/>
   </p:sldMasterIdLst>
+  <p:notesMasterIdLst>
+    <p:notesMasterId r:id="rId26"/>
+  </p:notesMasterIdLst>
   <p:sldIdLst>
     <p:sldId id="276" r:id="rId2"/>
     <p:sldId id="277" r:id="rId3"/>
@@ -26,7 +29,9 @@
     <p:sldId id="263" r:id="rId20"/>
     <p:sldId id="271" r:id="rId21"/>
     <p:sldId id="272" r:id="rId22"/>
-    <p:sldId id="269" r:id="rId23"/>
+    <p:sldId id="279" r:id="rId23"/>
+    <p:sldId id="269" r:id="rId24"/>
+    <p:sldId id="278" r:id="rId25"/>
   </p:sldIdLst>
   <p:sldSz cx="12192000" cy="6858000"/>
   <p:notesSz cx="6858000" cy="9144000"/>
@@ -3012,6 +3017,355 @@
 </dgm:styleDef>
 </file>
 
+<file path=ppt/notesMasters/notesMaster1.xml><?xml version="1.0" encoding="utf-8"?>
+<p:notesMaster xmlns:a="http://schemas.openxmlformats.org/drawingml/2006/main" xmlns:r="http://schemas.openxmlformats.org/officeDocument/2006/relationships" xmlns:p="http://schemas.openxmlformats.org/presentationml/2006/main">
+  <p:cSld>
+    <p:bg>
+      <p:bgRef idx="1001">
+        <a:schemeClr val="bg1"/>
+      </p:bgRef>
+    </p:bg>
+    <p:spTree>
+      <p:nvGrpSpPr>
+        <p:cNvPr id="1" name=""/>
+        <p:cNvGrpSpPr/>
+        <p:nvPr/>
+      </p:nvGrpSpPr>
+      <p:grpSpPr>
+        <a:xfrm>
+          <a:off x="0" y="0"/>
+          <a:ext cx="0" cy="0"/>
+          <a:chOff x="0" y="0"/>
+          <a:chExt cx="0" cy="0"/>
+        </a:xfrm>
+      </p:grpSpPr>
+      <p:sp>
+        <p:nvSpPr>
+          <p:cNvPr id="2" name="Header Placeholder 1"/>
+          <p:cNvSpPr>
+            <a:spLocks noGrp="1"/>
+          </p:cNvSpPr>
+          <p:nvPr>
+            <p:ph type="hdr" sz="quarter"/>
+          </p:nvPr>
+        </p:nvSpPr>
+        <p:spPr>
+          <a:xfrm>
+            <a:off x="0" y="0"/>
+            <a:ext cx="2971800" cy="458788"/>
+          </a:xfrm>
+          <a:prstGeom prst="rect">
+            <a:avLst/>
+          </a:prstGeom>
+        </p:spPr>
+        <p:txBody>
+          <a:bodyPr vert="horz" lIns="91440" tIns="45720" rIns="91440" bIns="45720" rtlCol="0"/>
+          <a:lstStyle>
+            <a:lvl1pPr algn="l">
+              <a:defRPr sz="1200"/>
+            </a:lvl1pPr>
+          </a:lstStyle>
+          <a:p>
+            <a:endParaRPr lang="en-US"/>
+          </a:p>
+        </p:txBody>
+      </p:sp>
+      <p:sp>
+        <p:nvSpPr>
+          <p:cNvPr id="3" name="Date Placeholder 2"/>
+          <p:cNvSpPr>
+            <a:spLocks noGrp="1"/>
+          </p:cNvSpPr>
+          <p:nvPr>
+            <p:ph type="dt" idx="1"/>
+          </p:nvPr>
+        </p:nvSpPr>
+        <p:spPr>
+          <a:xfrm>
+            <a:off x="3884613" y="0"/>
+            <a:ext cx="2971800" cy="458788"/>
+          </a:xfrm>
+          <a:prstGeom prst="rect">
+            <a:avLst/>
+          </a:prstGeom>
+        </p:spPr>
+        <p:txBody>
+          <a:bodyPr vert="horz" lIns="91440" tIns="45720" rIns="91440" bIns="45720" rtlCol="0"/>
+          <a:lstStyle>
+            <a:lvl1pPr algn="r">
+              <a:defRPr sz="1200"/>
+            </a:lvl1pPr>
+          </a:lstStyle>
+          <a:p>
+            <a:fld id="{2370E17E-5AC5-9049-A42A-DCE1F36C52F3}" type="datetimeFigureOut">
+              <a:rPr lang="en-US" smtClean="0"/>
+              <a:t>3/6/23</a:t>
+            </a:fld>
+            <a:endParaRPr lang="en-US"/>
+          </a:p>
+        </p:txBody>
+      </p:sp>
+      <p:sp>
+        <p:nvSpPr>
+          <p:cNvPr id="4" name="Slide Image Placeholder 3"/>
+          <p:cNvSpPr>
+            <a:spLocks noGrp="1" noRot="1" noChangeAspect="1"/>
+          </p:cNvSpPr>
+          <p:nvPr>
+            <p:ph type="sldImg" idx="2"/>
+          </p:nvPr>
+        </p:nvSpPr>
+        <p:spPr>
+          <a:xfrm>
+            <a:off x="685800" y="1143000"/>
+            <a:ext cx="5486400" cy="3086100"/>
+          </a:xfrm>
+          <a:prstGeom prst="rect">
+            <a:avLst/>
+          </a:prstGeom>
+          <a:noFill/>
+          <a:ln w="12700">
+            <a:solidFill>
+              <a:prstClr val="black"/>
+            </a:solidFill>
+          </a:ln>
+        </p:spPr>
+        <p:txBody>
+          <a:bodyPr vert="horz" lIns="91440" tIns="45720" rIns="91440" bIns="45720" rtlCol="0" anchor="ctr"/>
+          <a:lstStyle/>
+          <a:p>
+            <a:endParaRPr lang="en-US"/>
+          </a:p>
+        </p:txBody>
+      </p:sp>
+      <p:sp>
+        <p:nvSpPr>
+          <p:cNvPr id="5" name="Notes Placeholder 4"/>
+          <p:cNvSpPr>
+            <a:spLocks noGrp="1"/>
+          </p:cNvSpPr>
+          <p:nvPr>
+            <p:ph type="body" sz="quarter" idx="3"/>
+          </p:nvPr>
+        </p:nvSpPr>
+        <p:spPr>
+          <a:xfrm>
+            <a:off x="685800" y="4400550"/>
+            <a:ext cx="5486400" cy="3600450"/>
+          </a:xfrm>
+          <a:prstGeom prst="rect">
+            <a:avLst/>
+          </a:prstGeom>
+        </p:spPr>
+        <p:txBody>
+          <a:bodyPr vert="horz" lIns="91440" tIns="45720" rIns="91440" bIns="45720" rtlCol="0"/>
+          <a:lstStyle/>
+          <a:p>
+            <a:pPr lvl="0"/>
+            <a:r>
+              <a:rPr lang="en-US"/>
+              <a:t>Click to edit Master text styles</a:t>
+            </a:r>
+          </a:p>
+          <a:p>
+            <a:pPr lvl="1"/>
+            <a:r>
+              <a:rPr lang="en-US"/>
+              <a:t>Second level</a:t>
+            </a:r>
+          </a:p>
+          <a:p>
+            <a:pPr lvl="2"/>
+            <a:r>
+              <a:rPr lang="en-US"/>
+              <a:t>Third level</a:t>
+            </a:r>
+          </a:p>
+          <a:p>
+            <a:pPr lvl="3"/>
+            <a:r>
+              <a:rPr lang="en-US"/>
+              <a:t>Fourth level</a:t>
+            </a:r>
+          </a:p>
+          <a:p>
+            <a:pPr lvl="4"/>
+            <a:r>
+              <a:rPr lang="en-US"/>
+              <a:t>Fifth level</a:t>
+            </a:r>
+          </a:p>
+        </p:txBody>
+      </p:sp>
+      <p:sp>
+        <p:nvSpPr>
+          <p:cNvPr id="6" name="Footer Placeholder 5"/>
+          <p:cNvSpPr>
+            <a:spLocks noGrp="1"/>
+          </p:cNvSpPr>
+          <p:nvPr>
+            <p:ph type="ftr" sz="quarter" idx="4"/>
+          </p:nvPr>
+        </p:nvSpPr>
+        <p:spPr>
+          <a:xfrm>
+            <a:off x="0" y="8685213"/>
+            <a:ext cx="2971800" cy="458787"/>
+          </a:xfrm>
+          <a:prstGeom prst="rect">
+            <a:avLst/>
+          </a:prstGeom>
+        </p:spPr>
+        <p:txBody>
+          <a:bodyPr vert="horz" lIns="91440" tIns="45720" rIns="91440" bIns="45720" rtlCol="0" anchor="b"/>
+          <a:lstStyle>
+            <a:lvl1pPr algn="l">
+              <a:defRPr sz="1200"/>
+            </a:lvl1pPr>
+          </a:lstStyle>
+          <a:p>
+            <a:endParaRPr lang="en-US"/>
+          </a:p>
+        </p:txBody>
+      </p:sp>
+      <p:sp>
+        <p:nvSpPr>
+          <p:cNvPr id="7" name="Slide Number Placeholder 6"/>
+          <p:cNvSpPr>
+            <a:spLocks noGrp="1"/>
+          </p:cNvSpPr>
+          <p:nvPr>
+            <p:ph type="sldNum" sz="quarter" idx="5"/>
+          </p:nvPr>
+        </p:nvSpPr>
+        <p:spPr>
+          <a:xfrm>
+            <a:off x="3884613" y="8685213"/>
+            <a:ext cx="2971800" cy="458787"/>
+          </a:xfrm>
+          <a:prstGeom prst="rect">
+            <a:avLst/>
+          </a:prstGeom>
+        </p:spPr>
+        <p:txBody>
+          <a:bodyPr vert="horz" lIns="91440" tIns="45720" rIns="91440" bIns="45720" rtlCol="0" anchor="b"/>
+          <a:lstStyle>
+            <a:lvl1pPr algn="r">
+              <a:defRPr sz="1200"/>
+            </a:lvl1pPr>
+          </a:lstStyle>
+          <a:p>
+            <a:fld id="{09304B6C-8FF8-7640-B632-0BB21F5861DA}" type="slidenum">
+              <a:rPr lang="en-US" smtClean="0"/>
+              <a:t>‹#›</a:t>
+            </a:fld>
+            <a:endParaRPr lang="en-US"/>
+          </a:p>
+        </p:txBody>
+      </p:sp>
+    </p:spTree>
+    <p:extLst>
+      <p:ext uri="{BB962C8B-B14F-4D97-AF65-F5344CB8AC3E}">
+        <p14:creationId xmlns:p14="http://schemas.microsoft.com/office/powerpoint/2010/main" val="1204502516"/>
+      </p:ext>
+    </p:extLst>
+  </p:cSld>
+  <p:clrMap bg1="lt1" tx1="dk1" bg2="lt2" tx2="dk2" accent1="accent1" accent2="accent2" accent3="accent3" accent4="accent4" accent5="accent5" accent6="accent6" hlink="hlink" folHlink="folHlink"/>
+  <p:notesStyle>
+    <a:lvl1pPr marL="0" algn="l" defTabSz="914400" rtl="0" eaLnBrk="1" latinLnBrk="0" hangingPunct="1">
+      <a:defRPr sz="1200" kern="1200">
+        <a:solidFill>
+          <a:schemeClr val="tx1"/>
+        </a:solidFill>
+        <a:latin typeface="+mn-lt"/>
+        <a:ea typeface="+mn-ea"/>
+        <a:cs typeface="+mn-cs"/>
+      </a:defRPr>
+    </a:lvl1pPr>
+    <a:lvl2pPr marL="457200" algn="l" defTabSz="914400" rtl="0" eaLnBrk="1" latinLnBrk="0" hangingPunct="1">
+      <a:defRPr sz="1200" kern="1200">
+        <a:solidFill>
+          <a:schemeClr val="tx1"/>
+        </a:solidFill>
+        <a:latin typeface="+mn-lt"/>
+        <a:ea typeface="+mn-ea"/>
+        <a:cs typeface="+mn-cs"/>
+      </a:defRPr>
+    </a:lvl2pPr>
+    <a:lvl3pPr marL="914400" algn="l" defTabSz="914400" rtl="0" eaLnBrk="1" latinLnBrk="0" hangingPunct="1">
+      <a:defRPr sz="1200" kern="1200">
+        <a:solidFill>
+          <a:schemeClr val="tx1"/>
+        </a:solidFill>
+        <a:latin typeface="+mn-lt"/>
+        <a:ea typeface="+mn-ea"/>
+        <a:cs typeface="+mn-cs"/>
+      </a:defRPr>
+    </a:lvl3pPr>
+    <a:lvl4pPr marL="1371600" algn="l" defTabSz="914400" rtl="0" eaLnBrk="1" latinLnBrk="0" hangingPunct="1">
+      <a:defRPr sz="1200" kern="1200">
+        <a:solidFill>
+          <a:schemeClr val="tx1"/>
+        </a:solidFill>
+        <a:latin typeface="+mn-lt"/>
+        <a:ea typeface="+mn-ea"/>
+        <a:cs typeface="+mn-cs"/>
+      </a:defRPr>
+    </a:lvl4pPr>
+    <a:lvl5pPr marL="1828800" algn="l" defTabSz="914400" rtl="0" eaLnBrk="1" latinLnBrk="0" hangingPunct="1">
+      <a:defRPr sz="1200" kern="1200">
+        <a:solidFill>
+          <a:schemeClr val="tx1"/>
+        </a:solidFill>
+        <a:latin typeface="+mn-lt"/>
+        <a:ea typeface="+mn-ea"/>
+        <a:cs typeface="+mn-cs"/>
+      </a:defRPr>
+    </a:lvl5pPr>
+    <a:lvl6pPr marL="2286000" algn="l" defTabSz="914400" rtl="0" eaLnBrk="1" latinLnBrk="0" hangingPunct="1">
+      <a:defRPr sz="1200" kern="1200">
+        <a:solidFill>
+          <a:schemeClr val="tx1"/>
+        </a:solidFill>
+        <a:latin typeface="+mn-lt"/>
+        <a:ea typeface="+mn-ea"/>
+        <a:cs typeface="+mn-cs"/>
+      </a:defRPr>
+    </a:lvl6pPr>
+    <a:lvl7pPr marL="2743200" algn="l" defTabSz="914400" rtl="0" eaLnBrk="1" latinLnBrk="0" hangingPunct="1">
+      <a:defRPr sz="1200" kern="1200">
+        <a:solidFill>
+          <a:schemeClr val="tx1"/>
+        </a:solidFill>
+        <a:latin typeface="+mn-lt"/>
+        <a:ea typeface="+mn-ea"/>
+        <a:cs typeface="+mn-cs"/>
+      </a:defRPr>
+    </a:lvl7pPr>
+    <a:lvl8pPr marL="3200400" algn="l" defTabSz="914400" rtl="0" eaLnBrk="1" latinLnBrk="0" hangingPunct="1">
+      <a:defRPr sz="1200" kern="1200">
+        <a:solidFill>
+          <a:schemeClr val="tx1"/>
+        </a:solidFill>
+        <a:latin typeface="+mn-lt"/>
+        <a:ea typeface="+mn-ea"/>
+        <a:cs typeface="+mn-cs"/>
+      </a:defRPr>
+    </a:lvl8pPr>
+    <a:lvl9pPr marL="3657600" algn="l" defTabSz="914400" rtl="0" eaLnBrk="1" latinLnBrk="0" hangingPunct="1">
+      <a:defRPr sz="1200" kern="1200">
+        <a:solidFill>
+          <a:schemeClr val="tx1"/>
+        </a:solidFill>
+        <a:latin typeface="+mn-lt"/>
+        <a:ea typeface="+mn-ea"/>
+        <a:cs typeface="+mn-cs"/>
+      </a:defRPr>
+    </a:lvl9pPr>
+  </p:notesStyle>
+</p:notesMaster>
+</file>
+
 <file path=ppt/slideLayouts/slideLayout1.xml><?xml version="1.0" encoding="utf-8"?>
 <p:sldLayout xmlns:a="http://schemas.openxmlformats.org/drawingml/2006/main" xmlns:r="http://schemas.openxmlformats.org/officeDocument/2006/relationships" xmlns:p="http://schemas.openxmlformats.org/presentationml/2006/main" type="title" preserve="1">
   <p:cSld name="Title Slide">
@@ -3157,9 +3511,9 @@
           <a:bodyPr/>
           <a:lstStyle/>
           <a:p>
-            <a:fld id="{CD03976E-B427-DB4D-8BD9-2415B616CAFE}" type="datetimeFigureOut">
+            <a:fld id="{379818AB-569B-114D-AC2D-2E13CA5C2AC0}" type="datetime1">
               <a:rPr lang="en-US" smtClean="0"/>
-              <a:t>2/18/23</a:t>
+              <a:t>3/6/23</a:t>
             </a:fld>
             <a:endParaRPr lang="en-US"/>
           </a:p>
@@ -3355,9 +3709,9 @@
           <a:bodyPr/>
           <a:lstStyle/>
           <a:p>
-            <a:fld id="{CD03976E-B427-DB4D-8BD9-2415B616CAFE}" type="datetimeFigureOut">
+            <a:fld id="{FA728763-4721-0949-925E-060F84CD361E}" type="datetime1">
               <a:rPr lang="en-US" smtClean="0"/>
-              <a:t>2/18/23</a:t>
+              <a:t>3/6/23</a:t>
             </a:fld>
             <a:endParaRPr lang="en-US"/>
           </a:p>
@@ -3563,9 +3917,9 @@
           <a:bodyPr/>
           <a:lstStyle/>
           <a:p>
-            <a:fld id="{CD03976E-B427-DB4D-8BD9-2415B616CAFE}" type="datetimeFigureOut">
+            <a:fld id="{4C9CE0BB-1D2F-1944-8E36-F75B3134ADF1}" type="datetime1">
               <a:rPr lang="en-US" smtClean="0"/>
-              <a:t>2/18/23</a:t>
+              <a:t>3/6/23</a:t>
             </a:fld>
             <a:endParaRPr lang="en-US"/>
           </a:p>
@@ -3761,9 +4115,9 @@
           <a:bodyPr/>
           <a:lstStyle/>
           <a:p>
-            <a:fld id="{CD03976E-B427-DB4D-8BD9-2415B616CAFE}" type="datetimeFigureOut">
+            <a:fld id="{17E67769-AF56-C04B-90D5-8FC4E90B1143}" type="datetime1">
               <a:rPr lang="en-US" smtClean="0"/>
-              <a:t>2/18/23</a:t>
+              <a:t>3/6/23</a:t>
             </a:fld>
             <a:endParaRPr lang="en-US"/>
           </a:p>
@@ -4036,9 +4390,9 @@
           <a:bodyPr/>
           <a:lstStyle/>
           <a:p>
-            <a:fld id="{CD03976E-B427-DB4D-8BD9-2415B616CAFE}" type="datetimeFigureOut">
+            <a:fld id="{DFD2C741-C668-654B-B25B-606BC8FA3EBC}" type="datetime1">
               <a:rPr lang="en-US" smtClean="0"/>
-              <a:t>2/18/23</a:t>
+              <a:t>3/6/23</a:t>
             </a:fld>
             <a:endParaRPr lang="en-US"/>
           </a:p>
@@ -4301,9 +4655,9 @@
           <a:bodyPr/>
           <a:lstStyle/>
           <a:p>
-            <a:fld id="{CD03976E-B427-DB4D-8BD9-2415B616CAFE}" type="datetimeFigureOut">
+            <a:fld id="{22002A87-FFEB-FD4C-8BDE-189CB3931F54}" type="datetime1">
               <a:rPr lang="en-US" smtClean="0"/>
-              <a:t>2/18/23</a:t>
+              <a:t>3/6/23</a:t>
             </a:fld>
             <a:endParaRPr lang="en-US"/>
           </a:p>
@@ -4713,9 +5067,9 @@
           <a:bodyPr/>
           <a:lstStyle/>
           <a:p>
-            <a:fld id="{CD03976E-B427-DB4D-8BD9-2415B616CAFE}" type="datetimeFigureOut">
+            <a:fld id="{C1CC2345-6FF4-4648-8ED9-D49E55576CD6}" type="datetime1">
               <a:rPr lang="en-US" smtClean="0"/>
-              <a:t>2/18/23</a:t>
+              <a:t>3/6/23</a:t>
             </a:fld>
             <a:endParaRPr lang="en-US"/>
           </a:p>
@@ -4854,9 +5208,9 @@
           <a:bodyPr/>
           <a:lstStyle/>
           <a:p>
-            <a:fld id="{CD03976E-B427-DB4D-8BD9-2415B616CAFE}" type="datetimeFigureOut">
+            <a:fld id="{C831253E-7A17-EA49-A109-092F206B1AD3}" type="datetime1">
               <a:rPr lang="en-US" smtClean="0"/>
-              <a:t>2/18/23</a:t>
+              <a:t>3/6/23</a:t>
             </a:fld>
             <a:endParaRPr lang="en-US"/>
           </a:p>
@@ -4967,9 +5321,9 @@
           <a:bodyPr/>
           <a:lstStyle/>
           <a:p>
-            <a:fld id="{CD03976E-B427-DB4D-8BD9-2415B616CAFE}" type="datetimeFigureOut">
+            <a:fld id="{F79BD133-206C-5947-9534-26D58346C144}" type="datetime1">
               <a:rPr lang="en-US" smtClean="0"/>
-              <a:t>2/18/23</a:t>
+              <a:t>3/6/23</a:t>
             </a:fld>
             <a:endParaRPr lang="en-US"/>
           </a:p>
@@ -5278,9 +5632,9 @@
           <a:bodyPr/>
           <a:lstStyle/>
           <a:p>
-            <a:fld id="{CD03976E-B427-DB4D-8BD9-2415B616CAFE}" type="datetimeFigureOut">
+            <a:fld id="{1B9DF581-B7BB-844E-A371-D916B64D3FDE}" type="datetime1">
               <a:rPr lang="en-US" smtClean="0"/>
-              <a:t>2/18/23</a:t>
+              <a:t>3/6/23</a:t>
             </a:fld>
             <a:endParaRPr lang="en-US"/>
           </a:p>
@@ -5566,9 +5920,9 @@
           <a:bodyPr/>
           <a:lstStyle/>
           <a:p>
-            <a:fld id="{CD03976E-B427-DB4D-8BD9-2415B616CAFE}" type="datetimeFigureOut">
+            <a:fld id="{C2F85307-6C82-1D43-AC8D-B2D8EE837D90}" type="datetime1">
               <a:rPr lang="en-US" smtClean="0"/>
-              <a:t>2/18/23</a:t>
+              <a:t>3/6/23</a:t>
             </a:fld>
             <a:endParaRPr lang="en-US"/>
           </a:p>
@@ -5807,9 +6161,9 @@
             </a:lvl1pPr>
           </a:lstStyle>
           <a:p>
-            <a:fld id="{CD03976E-B427-DB4D-8BD9-2415B616CAFE}" type="datetimeFigureOut">
+            <a:fld id="{82CA95DF-E777-B14D-9D6D-9A4493801D92}" type="datetime1">
               <a:rPr lang="en-US" smtClean="0"/>
-              <a:t>2/18/23</a:t>
+              <a:t>3/6/23</a:t>
             </a:fld>
             <a:endParaRPr lang="en-US"/>
           </a:p>
@@ -5926,6 +6280,7 @@
     <p:sldLayoutId id="2147483658" r:id="rId10"/>
     <p:sldLayoutId id="2147483659" r:id="rId11"/>
   </p:sldLayoutIdLst>
+  <p:hf hdr="0" ftr="0" dt="0"/>
   <p:txStyles>
     <p:titleStyle>
       <a:lvl1pPr algn="l" defTabSz="914400" rtl="0" eaLnBrk="1" latinLnBrk="0" hangingPunct="1">
@@ -6279,6 +6634,35 @@
           </a:p>
         </p:txBody>
       </p:sp>
+      <p:sp>
+        <p:nvSpPr>
+          <p:cNvPr id="2" name="Slide Number Placeholder 1">
+            <a:extLst>
+              <a:ext uri="{FF2B5EF4-FFF2-40B4-BE49-F238E27FC236}">
+                <a16:creationId xmlns:a16="http://schemas.microsoft.com/office/drawing/2014/main" id="{1882B1EE-FD20-5C99-A53E-64BB96E8445F}"/>
+              </a:ext>
+            </a:extLst>
+          </p:cNvPr>
+          <p:cNvSpPr>
+            <a:spLocks noGrp="1"/>
+          </p:cNvSpPr>
+          <p:nvPr>
+            <p:ph type="sldNum" sz="quarter" idx="12"/>
+          </p:nvPr>
+        </p:nvSpPr>
+        <p:spPr/>
+        <p:txBody>
+          <a:bodyPr/>
+          <a:lstStyle/>
+          <a:p>
+            <a:fld id="{168CC379-262E-DA48-847F-4DFCCC6E20A6}" type="slidenum">
+              <a:rPr lang="en-US" smtClean="0"/>
+              <a:t>1</a:t>
+            </a:fld>
+            <a:endParaRPr lang="en-US"/>
+          </a:p>
+        </p:txBody>
+      </p:sp>
     </p:spTree>
     <p:extLst>
       <p:ext uri="{BB962C8B-B14F-4D97-AF65-F5344CB8AC3E}">
@@ -6657,6 +7041,35 @@
           </a:fontRef>
         </p:style>
       </p:cxnSp>
+      <p:sp>
+        <p:nvSpPr>
+          <p:cNvPr id="3" name="Slide Number Placeholder 2">
+            <a:extLst>
+              <a:ext uri="{FF2B5EF4-FFF2-40B4-BE49-F238E27FC236}">
+                <a16:creationId xmlns:a16="http://schemas.microsoft.com/office/drawing/2014/main" id="{E9D4F7D6-1A3A-03A5-CF40-BAA6BD1158D4}"/>
+              </a:ext>
+            </a:extLst>
+          </p:cNvPr>
+          <p:cNvSpPr>
+            <a:spLocks noGrp="1"/>
+          </p:cNvSpPr>
+          <p:nvPr>
+            <p:ph type="sldNum" sz="quarter" idx="12"/>
+          </p:nvPr>
+        </p:nvSpPr>
+        <p:spPr/>
+        <p:txBody>
+          <a:bodyPr/>
+          <a:lstStyle/>
+          <a:p>
+            <a:fld id="{168CC379-262E-DA48-847F-4DFCCC6E20A6}" type="slidenum">
+              <a:rPr lang="en-US" smtClean="0"/>
+              <a:t>10</a:t>
+            </a:fld>
+            <a:endParaRPr lang="en-US"/>
+          </a:p>
+        </p:txBody>
+      </p:sp>
     </p:spTree>
     <p:extLst>
       <p:ext uri="{BB962C8B-B14F-4D97-AF65-F5344CB8AC3E}">
@@ -6917,6 +7330,35 @@
           </a:fontRef>
         </p:style>
       </p:cxnSp>
+      <p:sp>
+        <p:nvSpPr>
+          <p:cNvPr id="3" name="Slide Number Placeholder 2">
+            <a:extLst>
+              <a:ext uri="{FF2B5EF4-FFF2-40B4-BE49-F238E27FC236}">
+                <a16:creationId xmlns:a16="http://schemas.microsoft.com/office/drawing/2014/main" id="{C7B1FF63-853A-EA7E-7105-96FA193316BF}"/>
+              </a:ext>
+            </a:extLst>
+          </p:cNvPr>
+          <p:cNvSpPr>
+            <a:spLocks noGrp="1"/>
+          </p:cNvSpPr>
+          <p:nvPr>
+            <p:ph type="sldNum" sz="quarter" idx="12"/>
+          </p:nvPr>
+        </p:nvSpPr>
+        <p:spPr/>
+        <p:txBody>
+          <a:bodyPr/>
+          <a:lstStyle/>
+          <a:p>
+            <a:fld id="{168CC379-262E-DA48-847F-4DFCCC6E20A6}" type="slidenum">
+              <a:rPr lang="en-US" smtClean="0"/>
+              <a:t>11</a:t>
+            </a:fld>
+            <a:endParaRPr lang="en-US"/>
+          </a:p>
+        </p:txBody>
+      </p:sp>
     </p:spTree>
     <p:extLst>
       <p:ext uri="{BB962C8B-B14F-4D97-AF65-F5344CB8AC3E}">
@@ -7189,6 +7631,35 @@
           </a:fontRef>
         </p:style>
       </p:cxnSp>
+      <p:sp>
+        <p:nvSpPr>
+          <p:cNvPr id="5" name="Slide Number Placeholder 4">
+            <a:extLst>
+              <a:ext uri="{FF2B5EF4-FFF2-40B4-BE49-F238E27FC236}">
+                <a16:creationId xmlns:a16="http://schemas.microsoft.com/office/drawing/2014/main" id="{941D80BF-F34E-02E9-527D-923C1A454F3A}"/>
+              </a:ext>
+            </a:extLst>
+          </p:cNvPr>
+          <p:cNvSpPr>
+            <a:spLocks noGrp="1"/>
+          </p:cNvSpPr>
+          <p:nvPr>
+            <p:ph type="sldNum" sz="quarter" idx="12"/>
+          </p:nvPr>
+        </p:nvSpPr>
+        <p:spPr/>
+        <p:txBody>
+          <a:bodyPr/>
+          <a:lstStyle/>
+          <a:p>
+            <a:fld id="{168CC379-262E-DA48-847F-4DFCCC6E20A6}" type="slidenum">
+              <a:rPr lang="en-US" smtClean="0"/>
+              <a:t>12</a:t>
+            </a:fld>
+            <a:endParaRPr lang="en-US"/>
+          </a:p>
+        </p:txBody>
+      </p:sp>
     </p:spTree>
     <p:extLst>
       <p:ext uri="{BB962C8B-B14F-4D97-AF65-F5344CB8AC3E}">
@@ -7371,6 +7842,35 @@
               <a:rPr lang="en-US" sz="2800" i="1" dirty="0"/>
               <a:t> is: 1970.3353746429768</a:t>
             </a:r>
+          </a:p>
+        </p:txBody>
+      </p:sp>
+      <p:sp>
+        <p:nvSpPr>
+          <p:cNvPr id="6" name="Slide Number Placeholder 5">
+            <a:extLst>
+              <a:ext uri="{FF2B5EF4-FFF2-40B4-BE49-F238E27FC236}">
+                <a16:creationId xmlns:a16="http://schemas.microsoft.com/office/drawing/2014/main" id="{E75B384E-91E5-B8A9-1F24-780D706E7B8B}"/>
+              </a:ext>
+            </a:extLst>
+          </p:cNvPr>
+          <p:cNvSpPr>
+            <a:spLocks noGrp="1"/>
+          </p:cNvSpPr>
+          <p:nvPr>
+            <p:ph type="sldNum" sz="quarter" idx="12"/>
+          </p:nvPr>
+        </p:nvSpPr>
+        <p:spPr/>
+        <p:txBody>
+          <a:bodyPr/>
+          <a:lstStyle/>
+          <a:p>
+            <a:fld id="{168CC379-262E-DA48-847F-4DFCCC6E20A6}" type="slidenum">
+              <a:rPr lang="en-US" smtClean="0"/>
+              <a:t>13</a:t>
+            </a:fld>
+            <a:endParaRPr lang="en-US"/>
           </a:p>
         </p:txBody>
       </p:sp>
@@ -7592,6 +8092,35 @@
           </a:fontRef>
         </p:style>
       </p:cxnSp>
+      <p:sp>
+        <p:nvSpPr>
+          <p:cNvPr id="3" name="Slide Number Placeholder 2">
+            <a:extLst>
+              <a:ext uri="{FF2B5EF4-FFF2-40B4-BE49-F238E27FC236}">
+                <a16:creationId xmlns:a16="http://schemas.microsoft.com/office/drawing/2014/main" id="{648FB9FF-6DCC-59F0-EBDD-6249D048A582}"/>
+              </a:ext>
+            </a:extLst>
+          </p:cNvPr>
+          <p:cNvSpPr>
+            <a:spLocks noGrp="1"/>
+          </p:cNvSpPr>
+          <p:nvPr>
+            <p:ph type="sldNum" sz="quarter" idx="12"/>
+          </p:nvPr>
+        </p:nvSpPr>
+        <p:spPr/>
+        <p:txBody>
+          <a:bodyPr/>
+          <a:lstStyle/>
+          <a:p>
+            <a:fld id="{168CC379-262E-DA48-847F-4DFCCC6E20A6}" type="slidenum">
+              <a:rPr lang="en-US" smtClean="0"/>
+              <a:t>14</a:t>
+            </a:fld>
+            <a:endParaRPr lang="en-US"/>
+          </a:p>
+        </p:txBody>
+      </p:sp>
     </p:spTree>
     <p:extLst>
       <p:ext uri="{BB962C8B-B14F-4D97-AF65-F5344CB8AC3E}">
@@ -7675,6 +8204,35 @@
               <a:rPr lang="en-US" dirty="0"/>
               <a:t>Timeline operation usually takes 0 or 1 parameters, and returns a new timeline objects</a:t>
             </a:r>
+          </a:p>
+        </p:txBody>
+      </p:sp>
+      <p:sp>
+        <p:nvSpPr>
+          <p:cNvPr id="2" name="Slide Number Placeholder 1">
+            <a:extLst>
+              <a:ext uri="{FF2B5EF4-FFF2-40B4-BE49-F238E27FC236}">
+                <a16:creationId xmlns:a16="http://schemas.microsoft.com/office/drawing/2014/main" id="{E27C54E1-F89E-8C01-5A4A-E229491177B4}"/>
+              </a:ext>
+            </a:extLst>
+          </p:cNvPr>
+          <p:cNvSpPr>
+            <a:spLocks noGrp="1"/>
+          </p:cNvSpPr>
+          <p:nvPr>
+            <p:ph type="sldNum" sz="quarter" idx="12"/>
+          </p:nvPr>
+        </p:nvSpPr>
+        <p:spPr/>
+        <p:txBody>
+          <a:bodyPr/>
+          <a:lstStyle/>
+          <a:p>
+            <a:fld id="{168CC379-262E-DA48-847F-4DFCCC6E20A6}" type="slidenum">
+              <a:rPr lang="en-US" smtClean="0"/>
+              <a:t>15</a:t>
+            </a:fld>
+            <a:endParaRPr lang="en-US"/>
           </a:p>
         </p:txBody>
       </p:sp>
@@ -7886,6 +8444,35 @@
           </a:prstGeom>
         </p:spPr>
       </p:pic>
+      <p:sp>
+        <p:nvSpPr>
+          <p:cNvPr id="5" name="Slide Number Placeholder 4">
+            <a:extLst>
+              <a:ext uri="{FF2B5EF4-FFF2-40B4-BE49-F238E27FC236}">
+                <a16:creationId xmlns:a16="http://schemas.microsoft.com/office/drawing/2014/main" id="{27E769F2-14F6-71FD-FCAA-0F23346F4F6C}"/>
+              </a:ext>
+            </a:extLst>
+          </p:cNvPr>
+          <p:cNvSpPr>
+            <a:spLocks noGrp="1"/>
+          </p:cNvSpPr>
+          <p:nvPr>
+            <p:ph type="sldNum" sz="quarter" idx="12"/>
+          </p:nvPr>
+        </p:nvSpPr>
+        <p:spPr/>
+        <p:txBody>
+          <a:bodyPr/>
+          <a:lstStyle/>
+          <a:p>
+            <a:fld id="{168CC379-262E-DA48-847F-4DFCCC6E20A6}" type="slidenum">
+              <a:rPr lang="en-US" smtClean="0"/>
+              <a:t>16</a:t>
+            </a:fld>
+            <a:endParaRPr lang="en-US"/>
+          </a:p>
+        </p:txBody>
+      </p:sp>
     </p:spTree>
     <p:extLst>
       <p:ext uri="{BB962C8B-B14F-4D97-AF65-F5344CB8AC3E}">
@@ -8088,6 +8675,35 @@
           </a:prstGeom>
         </p:spPr>
       </p:pic>
+      <p:sp>
+        <p:nvSpPr>
+          <p:cNvPr id="5" name="Slide Number Placeholder 4">
+            <a:extLst>
+              <a:ext uri="{FF2B5EF4-FFF2-40B4-BE49-F238E27FC236}">
+                <a16:creationId xmlns:a16="http://schemas.microsoft.com/office/drawing/2014/main" id="{EE31B9A6-9C9B-523D-6499-6A36919D11DB}"/>
+              </a:ext>
+            </a:extLst>
+          </p:cNvPr>
+          <p:cNvSpPr>
+            <a:spLocks noGrp="1"/>
+          </p:cNvSpPr>
+          <p:nvPr>
+            <p:ph type="sldNum" sz="quarter" idx="12"/>
+          </p:nvPr>
+        </p:nvSpPr>
+        <p:spPr/>
+        <p:txBody>
+          <a:bodyPr/>
+          <a:lstStyle/>
+          <a:p>
+            <a:fld id="{168CC379-262E-DA48-847F-4DFCCC6E20A6}" type="slidenum">
+              <a:rPr lang="en-US" smtClean="0"/>
+              <a:t>17</a:t>
+            </a:fld>
+            <a:endParaRPr lang="en-US"/>
+          </a:p>
+        </p:txBody>
+      </p:sp>
     </p:spTree>
     <p:extLst>
       <p:ext uri="{BB962C8B-B14F-4D97-AF65-F5344CB8AC3E}">
@@ -8410,6 +9026,35 @@
           </a:fontRef>
         </p:style>
       </p:cxnSp>
+      <p:sp>
+        <p:nvSpPr>
+          <p:cNvPr id="6" name="Slide Number Placeholder 5">
+            <a:extLst>
+              <a:ext uri="{FF2B5EF4-FFF2-40B4-BE49-F238E27FC236}">
+                <a16:creationId xmlns:a16="http://schemas.microsoft.com/office/drawing/2014/main" id="{3ECBBBE6-C6D4-7BED-3637-E18CEF9AA0A9}"/>
+              </a:ext>
+            </a:extLst>
+          </p:cNvPr>
+          <p:cNvSpPr>
+            <a:spLocks noGrp="1"/>
+          </p:cNvSpPr>
+          <p:nvPr>
+            <p:ph type="sldNum" sz="quarter" idx="12"/>
+          </p:nvPr>
+        </p:nvSpPr>
+        <p:spPr/>
+        <p:txBody>
+          <a:bodyPr/>
+          <a:lstStyle/>
+          <a:p>
+            <a:fld id="{168CC379-262E-DA48-847F-4DFCCC6E20A6}" type="slidenum">
+              <a:rPr lang="en-US" smtClean="0"/>
+              <a:t>18</a:t>
+            </a:fld>
+            <a:endParaRPr lang="en-US"/>
+          </a:p>
+        </p:txBody>
+      </p:sp>
     </p:spTree>
     <p:extLst>
       <p:ext uri="{BB962C8B-B14F-4D97-AF65-F5344CB8AC3E}">
@@ -8743,6 +9388,35 @@
           </a:fontRef>
         </p:style>
       </p:cxnSp>
+      <p:sp>
+        <p:nvSpPr>
+          <p:cNvPr id="7" name="Slide Number Placeholder 6">
+            <a:extLst>
+              <a:ext uri="{FF2B5EF4-FFF2-40B4-BE49-F238E27FC236}">
+                <a16:creationId xmlns:a16="http://schemas.microsoft.com/office/drawing/2014/main" id="{09F4C186-6920-02DF-19BA-21B8B508475D}"/>
+              </a:ext>
+            </a:extLst>
+          </p:cNvPr>
+          <p:cNvSpPr>
+            <a:spLocks noGrp="1"/>
+          </p:cNvSpPr>
+          <p:nvPr>
+            <p:ph type="sldNum" sz="quarter" idx="12"/>
+          </p:nvPr>
+        </p:nvSpPr>
+        <p:spPr/>
+        <p:txBody>
+          <a:bodyPr/>
+          <a:lstStyle/>
+          <a:p>
+            <a:fld id="{168CC379-262E-DA48-847F-4DFCCC6E20A6}" type="slidenum">
+              <a:rPr lang="en-US" smtClean="0"/>
+              <a:t>19</a:t>
+            </a:fld>
+            <a:endParaRPr lang="en-US"/>
+          </a:p>
+        </p:txBody>
+      </p:sp>
     </p:spTree>
     <p:extLst>
       <p:ext uri="{BB962C8B-B14F-4D97-AF65-F5344CB8AC3E}">
@@ -8944,6 +9618,35 @@
               <a:rPr lang="en-US" sz="2400" dirty="0"/>
               <a:t>. You need to generate your own prediction.</a:t>
             </a:r>
+          </a:p>
+        </p:txBody>
+      </p:sp>
+      <p:sp>
+        <p:nvSpPr>
+          <p:cNvPr id="4" name="Slide Number Placeholder 3">
+            <a:extLst>
+              <a:ext uri="{FF2B5EF4-FFF2-40B4-BE49-F238E27FC236}">
+                <a16:creationId xmlns:a16="http://schemas.microsoft.com/office/drawing/2014/main" id="{058E20B7-29FB-0DB4-2B2D-749F4FB1AC9A}"/>
+              </a:ext>
+            </a:extLst>
+          </p:cNvPr>
+          <p:cNvSpPr>
+            <a:spLocks noGrp="1"/>
+          </p:cNvSpPr>
+          <p:nvPr>
+            <p:ph type="sldNum" sz="quarter" idx="12"/>
+          </p:nvPr>
+        </p:nvSpPr>
+        <p:spPr/>
+        <p:txBody>
+          <a:bodyPr/>
+          <a:lstStyle/>
+          <a:p>
+            <a:fld id="{168CC379-262E-DA48-847F-4DFCCC6E20A6}" type="slidenum">
+              <a:rPr lang="en-US" smtClean="0"/>
+              <a:t>2</a:t>
+            </a:fld>
+            <a:endParaRPr lang="en-US"/>
           </a:p>
         </p:txBody>
       </p:sp>
@@ -9154,6 +9857,35 @@
           </a:prstGeom>
         </p:spPr>
       </p:pic>
+      <p:sp>
+        <p:nvSpPr>
+          <p:cNvPr id="5" name="Slide Number Placeholder 4">
+            <a:extLst>
+              <a:ext uri="{FF2B5EF4-FFF2-40B4-BE49-F238E27FC236}">
+                <a16:creationId xmlns:a16="http://schemas.microsoft.com/office/drawing/2014/main" id="{978E313D-A540-7536-8E06-BDEAE95BC1B9}"/>
+              </a:ext>
+            </a:extLst>
+          </p:cNvPr>
+          <p:cNvSpPr>
+            <a:spLocks noGrp="1"/>
+          </p:cNvSpPr>
+          <p:nvPr>
+            <p:ph type="sldNum" sz="quarter" idx="12"/>
+          </p:nvPr>
+        </p:nvSpPr>
+        <p:spPr/>
+        <p:txBody>
+          <a:bodyPr/>
+          <a:lstStyle/>
+          <a:p>
+            <a:fld id="{168CC379-262E-DA48-847F-4DFCCC6E20A6}" type="slidenum">
+              <a:rPr lang="en-US" smtClean="0"/>
+              <a:t>20</a:t>
+            </a:fld>
+            <a:endParaRPr lang="en-US"/>
+          </a:p>
+        </p:txBody>
+      </p:sp>
     </p:spTree>
     <p:extLst>
       <p:ext uri="{BB962C8B-B14F-4D97-AF65-F5344CB8AC3E}">
@@ -9357,6 +10089,35 @@
           </a:prstGeom>
         </p:spPr>
       </p:pic>
+      <p:sp>
+        <p:nvSpPr>
+          <p:cNvPr id="6" name="Slide Number Placeholder 5">
+            <a:extLst>
+              <a:ext uri="{FF2B5EF4-FFF2-40B4-BE49-F238E27FC236}">
+                <a16:creationId xmlns:a16="http://schemas.microsoft.com/office/drawing/2014/main" id="{760DAB05-BDC1-29EC-02C9-6F98D2BEFA99}"/>
+              </a:ext>
+            </a:extLst>
+          </p:cNvPr>
+          <p:cNvSpPr>
+            <a:spLocks noGrp="1"/>
+          </p:cNvSpPr>
+          <p:nvPr>
+            <p:ph type="sldNum" sz="quarter" idx="12"/>
+          </p:nvPr>
+        </p:nvSpPr>
+        <p:spPr/>
+        <p:txBody>
+          <a:bodyPr/>
+          <a:lstStyle/>
+          <a:p>
+            <a:fld id="{168CC379-262E-DA48-847F-4DFCCC6E20A6}" type="slidenum">
+              <a:rPr lang="en-US" smtClean="0"/>
+              <a:t>21</a:t>
+            </a:fld>
+            <a:endParaRPr lang="en-US"/>
+          </a:p>
+        </p:txBody>
+      </p:sp>
     </p:spTree>
     <p:extLst>
       <p:ext uri="{BB962C8B-B14F-4D97-AF65-F5344CB8AC3E}">
@@ -9371,6 +10132,143 @@
 </file>
 
 <file path=ppt/slides/slide22.xml><?xml version="1.0" encoding="utf-8"?>
+<p:sld xmlns:a="http://schemas.openxmlformats.org/drawingml/2006/main" xmlns:r="http://schemas.openxmlformats.org/officeDocument/2006/relationships" xmlns:p="http://schemas.openxmlformats.org/presentationml/2006/main">
+  <p:cSld>
+    <p:spTree>
+      <p:nvGrpSpPr>
+        <p:cNvPr id="1" name=""/>
+        <p:cNvGrpSpPr/>
+        <p:nvPr/>
+      </p:nvGrpSpPr>
+      <p:grpSpPr>
+        <a:xfrm>
+          <a:off x="0" y="0"/>
+          <a:ext cx="0" cy="0"/>
+          <a:chOff x="0" y="0"/>
+          <a:chExt cx="0" cy="0"/>
+        </a:xfrm>
+      </p:grpSpPr>
+      <p:sp>
+        <p:nvSpPr>
+          <p:cNvPr id="2" name="Title 1">
+            <a:extLst>
+              <a:ext uri="{FF2B5EF4-FFF2-40B4-BE49-F238E27FC236}">
+                <a16:creationId xmlns:a16="http://schemas.microsoft.com/office/drawing/2014/main" id="{E80D9320-A57B-2275-91F7-98FC4D00523F}"/>
+              </a:ext>
+            </a:extLst>
+          </p:cNvPr>
+          <p:cNvSpPr>
+            <a:spLocks noGrp="1"/>
+          </p:cNvSpPr>
+          <p:nvPr>
+            <p:ph type="title"/>
+          </p:nvPr>
+        </p:nvSpPr>
+        <p:spPr/>
+        <p:txBody>
+          <a:bodyPr/>
+          <a:lstStyle/>
+          <a:p>
+            <a:r>
+              <a:rPr lang="en-US" dirty="0"/>
+              <a:t>Timeline operation: divide</a:t>
+            </a:r>
+          </a:p>
+        </p:txBody>
+      </p:sp>
+      <p:sp>
+        <p:nvSpPr>
+          <p:cNvPr id="3" name="Content Placeholder 2">
+            <a:extLst>
+              <a:ext uri="{FF2B5EF4-FFF2-40B4-BE49-F238E27FC236}">
+                <a16:creationId xmlns:a16="http://schemas.microsoft.com/office/drawing/2014/main" id="{B25E3FDF-968B-2CF4-2A54-17D24C81BB6B}"/>
+              </a:ext>
+            </a:extLst>
+          </p:cNvPr>
+          <p:cNvSpPr>
+            <a:spLocks noGrp="1"/>
+          </p:cNvSpPr>
+          <p:nvPr>
+            <p:ph idx="1"/>
+          </p:nvPr>
+        </p:nvSpPr>
+        <p:spPr/>
+        <p:txBody>
+          <a:bodyPr/>
+          <a:lstStyle/>
+          <a:p>
+            <a:r>
+              <a:rPr lang="en-US" dirty="0"/>
+              <a:t>Function: </a:t>
+            </a:r>
+            <a:r>
+              <a:rPr lang="en-US" b="1" i="1" dirty="0" err="1"/>
+              <a:t>Timeline.divide</a:t>
+            </a:r>
+            <a:r>
+              <a:rPr lang="en-US" b="1" i="1" dirty="0"/>
+              <a:t>(other: Timeline) -&gt; Timeline</a:t>
+            </a:r>
+          </a:p>
+          <a:p>
+            <a:pPr lvl="1"/>
+            <a:r>
+              <a:rPr lang="en-US" dirty="0"/>
+              <a:t>Divide by another timeline</a:t>
+            </a:r>
+          </a:p>
+          <a:p>
+            <a:pPr lvl="1"/>
+            <a:r>
+              <a:rPr lang="en-US" dirty="0"/>
+              <a:t>Usage is similar to “multiply” and “add”</a:t>
+            </a:r>
+          </a:p>
+        </p:txBody>
+      </p:sp>
+      <p:sp>
+        <p:nvSpPr>
+          <p:cNvPr id="6" name="Slide Number Placeholder 5">
+            <a:extLst>
+              <a:ext uri="{FF2B5EF4-FFF2-40B4-BE49-F238E27FC236}">
+                <a16:creationId xmlns:a16="http://schemas.microsoft.com/office/drawing/2014/main" id="{760DAB05-BDC1-29EC-02C9-6F98D2BEFA99}"/>
+              </a:ext>
+            </a:extLst>
+          </p:cNvPr>
+          <p:cNvSpPr>
+            <a:spLocks noGrp="1"/>
+          </p:cNvSpPr>
+          <p:nvPr>
+            <p:ph type="sldNum" sz="quarter" idx="12"/>
+          </p:nvPr>
+        </p:nvSpPr>
+        <p:spPr/>
+        <p:txBody>
+          <a:bodyPr/>
+          <a:lstStyle/>
+          <a:p>
+            <a:fld id="{168CC379-262E-DA48-847F-4DFCCC6E20A6}" type="slidenum">
+              <a:rPr lang="en-US" smtClean="0"/>
+              <a:t>22</a:t>
+            </a:fld>
+            <a:endParaRPr lang="en-US"/>
+          </a:p>
+        </p:txBody>
+      </p:sp>
+    </p:spTree>
+    <p:extLst>
+      <p:ext uri="{BB962C8B-B14F-4D97-AF65-F5344CB8AC3E}">
+        <p14:creationId xmlns:p14="http://schemas.microsoft.com/office/powerpoint/2010/main" val="1137378451"/>
+      </p:ext>
+    </p:extLst>
+  </p:cSld>
+  <p:clrMapOvr>
+    <a:masterClrMapping/>
+  </p:clrMapOvr>
+</p:sld>
+</file>
+
+<file path=ppt/slides/slide23.xml><?xml version="1.0" encoding="utf-8"?>
 <p:sld xmlns:a="http://schemas.openxmlformats.org/drawingml/2006/main" xmlns:r="http://schemas.openxmlformats.org/officeDocument/2006/relationships" xmlns:p="http://schemas.openxmlformats.org/presentationml/2006/main">
   <p:cSld>
     <p:spTree>
@@ -9561,10 +10459,392 @@
           </a:fontRef>
         </p:style>
       </p:cxnSp>
+      <p:sp>
+        <p:nvSpPr>
+          <p:cNvPr id="7" name="Slide Number Placeholder 6">
+            <a:extLst>
+              <a:ext uri="{FF2B5EF4-FFF2-40B4-BE49-F238E27FC236}">
+                <a16:creationId xmlns:a16="http://schemas.microsoft.com/office/drawing/2014/main" id="{D7106BEF-2637-86B7-2257-3C971CC09BB0}"/>
+              </a:ext>
+            </a:extLst>
+          </p:cNvPr>
+          <p:cNvSpPr>
+            <a:spLocks noGrp="1"/>
+          </p:cNvSpPr>
+          <p:nvPr>
+            <p:ph type="sldNum" sz="quarter" idx="12"/>
+          </p:nvPr>
+        </p:nvSpPr>
+        <p:spPr/>
+        <p:txBody>
+          <a:bodyPr/>
+          <a:lstStyle/>
+          <a:p>
+            <a:fld id="{168CC379-262E-DA48-847F-4DFCCC6E20A6}" type="slidenum">
+              <a:rPr lang="en-US" smtClean="0"/>
+              <a:t>23</a:t>
+            </a:fld>
+            <a:endParaRPr lang="en-US"/>
+          </a:p>
+        </p:txBody>
+      </p:sp>
     </p:spTree>
     <p:extLst>
       <p:ext uri="{BB962C8B-B14F-4D97-AF65-F5344CB8AC3E}">
         <p14:creationId xmlns:p14="http://schemas.microsoft.com/office/powerpoint/2010/main" val="1481934257"/>
+      </p:ext>
+    </p:extLst>
+  </p:cSld>
+  <p:clrMapOvr>
+    <a:masterClrMapping/>
+  </p:clrMapOvr>
+</p:sld>
+</file>
+
+<file path=ppt/slides/slide24.xml><?xml version="1.0" encoding="utf-8"?>
+<p:sld xmlns:a="http://schemas.openxmlformats.org/drawingml/2006/main" xmlns:r="http://schemas.openxmlformats.org/officeDocument/2006/relationships" xmlns:p="http://schemas.openxmlformats.org/presentationml/2006/main">
+  <p:cSld>
+    <p:spTree>
+      <p:nvGrpSpPr>
+        <p:cNvPr id="1" name=""/>
+        <p:cNvGrpSpPr/>
+        <p:nvPr/>
+      </p:nvGrpSpPr>
+      <p:grpSpPr>
+        <a:xfrm>
+          <a:off x="0" y="0"/>
+          <a:ext cx="0" cy="0"/>
+          <a:chOff x="0" y="0"/>
+          <a:chExt cx="0" cy="0"/>
+        </a:xfrm>
+      </p:grpSpPr>
+      <p:pic>
+        <p:nvPicPr>
+          <p:cNvPr id="13" name="Picture 12">
+            <a:extLst>
+              <a:ext uri="{FF2B5EF4-FFF2-40B4-BE49-F238E27FC236}">
+                <a16:creationId xmlns:a16="http://schemas.microsoft.com/office/drawing/2014/main" id="{7C69014F-C7B7-D062-0C7D-A7B6615CEDA7}"/>
+              </a:ext>
+            </a:extLst>
+          </p:cNvPr>
+          <p:cNvPicPr>
+            <a:picLocks noChangeAspect="1"/>
+          </p:cNvPicPr>
+          <p:nvPr/>
+        </p:nvPicPr>
+        <p:blipFill>
+          <a:blip r:embed="rId2"/>
+          <a:stretch>
+            <a:fillRect/>
+          </a:stretch>
+        </p:blipFill>
+        <p:spPr>
+          <a:xfrm>
+            <a:off x="1248215" y="2927350"/>
+            <a:ext cx="6985000" cy="1003300"/>
+          </a:xfrm>
+          <a:prstGeom prst="rect">
+            <a:avLst/>
+          </a:prstGeom>
+        </p:spPr>
+      </p:pic>
+      <p:sp>
+        <p:nvSpPr>
+          <p:cNvPr id="2" name="Title 1">
+            <a:extLst>
+              <a:ext uri="{FF2B5EF4-FFF2-40B4-BE49-F238E27FC236}">
+                <a16:creationId xmlns:a16="http://schemas.microsoft.com/office/drawing/2014/main" id="{93B0F7F9-8FE1-8A64-6801-8B74FA9C37C8}"/>
+              </a:ext>
+            </a:extLst>
+          </p:cNvPr>
+          <p:cNvSpPr>
+            <a:spLocks noGrp="1"/>
+          </p:cNvSpPr>
+          <p:nvPr>
+            <p:ph type="title"/>
+          </p:nvPr>
+        </p:nvSpPr>
+        <p:spPr/>
+        <p:txBody>
+          <a:bodyPr/>
+          <a:lstStyle/>
+          <a:p>
+            <a:r>
+              <a:rPr lang="en-US" dirty="0"/>
+              <a:t>Timeline operation: </a:t>
+            </a:r>
+            <a:r>
+              <a:rPr lang="en-US" dirty="0" err="1"/>
+              <a:t>latestEventToState</a:t>
+            </a:r>
+            <a:endParaRPr lang="en-US" dirty="0"/>
+          </a:p>
+        </p:txBody>
+      </p:sp>
+      <p:sp>
+        <p:nvSpPr>
+          <p:cNvPr id="3" name="Content Placeholder 2">
+            <a:extLst>
+              <a:ext uri="{FF2B5EF4-FFF2-40B4-BE49-F238E27FC236}">
+                <a16:creationId xmlns:a16="http://schemas.microsoft.com/office/drawing/2014/main" id="{60A37A3F-BADA-646D-54B8-C5CDCB31EF17}"/>
+              </a:ext>
+            </a:extLst>
+          </p:cNvPr>
+          <p:cNvSpPr>
+            <a:spLocks noGrp="1"/>
+          </p:cNvSpPr>
+          <p:nvPr>
+            <p:ph idx="1"/>
+          </p:nvPr>
+        </p:nvSpPr>
+        <p:spPr/>
+        <p:txBody>
+          <a:bodyPr/>
+          <a:lstStyle/>
+          <a:p>
+            <a:r>
+              <a:rPr lang="en-US" dirty="0"/>
+              <a:t>Function: </a:t>
+            </a:r>
+            <a:r>
+              <a:rPr lang="en-US" b="1" i="1" dirty="0" err="1"/>
+              <a:t>Timeline.latestEventToState</a:t>
+            </a:r>
+            <a:r>
+              <a:rPr lang="en-US" b="1" i="1" dirty="0"/>
+              <a:t>() -&gt; Timeline</a:t>
+            </a:r>
+          </a:p>
+          <a:p>
+            <a:pPr lvl="1"/>
+            <a:r>
+              <a:rPr lang="en-US" dirty="0"/>
+              <a:t>Convert a “event” time to a step-function like timeline</a:t>
+            </a:r>
+          </a:p>
+        </p:txBody>
+      </p:sp>
+      <p:cxnSp>
+        <p:nvCxnSpPr>
+          <p:cNvPr id="6" name="Straight Connector 5">
+            <a:extLst>
+              <a:ext uri="{FF2B5EF4-FFF2-40B4-BE49-F238E27FC236}">
+                <a16:creationId xmlns:a16="http://schemas.microsoft.com/office/drawing/2014/main" id="{FB39FBB3-4ACD-ECB1-51A6-D5D812D21E2B}"/>
+              </a:ext>
+            </a:extLst>
+          </p:cNvPr>
+          <p:cNvCxnSpPr>
+            <a:cxnSpLocks/>
+          </p:cNvCxnSpPr>
+          <p:nvPr/>
+        </p:nvCxnSpPr>
+        <p:spPr>
+          <a:xfrm>
+            <a:off x="1258722" y="3429000"/>
+            <a:ext cx="5205140" cy="0"/>
+          </a:xfrm>
+          <a:prstGeom prst="line">
+            <a:avLst/>
+          </a:prstGeom>
+          <a:ln w="38100">
+            <a:solidFill>
+              <a:srgbClr val="FF0000"/>
+            </a:solidFill>
+          </a:ln>
+        </p:spPr>
+        <p:style>
+          <a:lnRef idx="1">
+            <a:schemeClr val="accent1"/>
+          </a:lnRef>
+          <a:fillRef idx="0">
+            <a:schemeClr val="accent1"/>
+          </a:fillRef>
+          <a:effectRef idx="0">
+            <a:schemeClr val="accent1"/>
+          </a:effectRef>
+          <a:fontRef idx="minor">
+            <a:schemeClr val="tx1"/>
+          </a:fontRef>
+        </p:style>
+      </p:cxnSp>
+      <p:sp>
+        <p:nvSpPr>
+          <p:cNvPr id="7" name="Slide Number Placeholder 6">
+            <a:extLst>
+              <a:ext uri="{FF2B5EF4-FFF2-40B4-BE49-F238E27FC236}">
+                <a16:creationId xmlns:a16="http://schemas.microsoft.com/office/drawing/2014/main" id="{2DF35623-3448-F8E3-A9A9-6E98A6AB0DE3}"/>
+              </a:ext>
+            </a:extLst>
+          </p:cNvPr>
+          <p:cNvSpPr>
+            <a:spLocks noGrp="1"/>
+          </p:cNvSpPr>
+          <p:nvPr>
+            <p:ph type="sldNum" sz="quarter" idx="12"/>
+          </p:nvPr>
+        </p:nvSpPr>
+        <p:spPr/>
+        <p:txBody>
+          <a:bodyPr/>
+          <a:lstStyle/>
+          <a:p>
+            <a:fld id="{168CC379-262E-DA48-847F-4DFCCC6E20A6}" type="slidenum">
+              <a:rPr lang="en-US" smtClean="0"/>
+              <a:t>24</a:t>
+            </a:fld>
+            <a:endParaRPr lang="en-US"/>
+          </a:p>
+        </p:txBody>
+      </p:sp>
+      <p:pic>
+        <p:nvPicPr>
+          <p:cNvPr id="12" name="Picture 11">
+            <a:extLst>
+              <a:ext uri="{FF2B5EF4-FFF2-40B4-BE49-F238E27FC236}">
+                <a16:creationId xmlns:a16="http://schemas.microsoft.com/office/drawing/2014/main" id="{5C495042-E77F-7BE0-3D96-E8FE59702D60}"/>
+              </a:ext>
+            </a:extLst>
+          </p:cNvPr>
+          <p:cNvPicPr>
+            <a:picLocks noChangeAspect="1"/>
+          </p:cNvPicPr>
+          <p:nvPr/>
+        </p:nvPicPr>
+        <p:blipFill>
+          <a:blip r:embed="rId3"/>
+          <a:stretch>
+            <a:fillRect/>
+          </a:stretch>
+        </p:blipFill>
+        <p:spPr>
+          <a:xfrm>
+            <a:off x="1132601" y="4112419"/>
+            <a:ext cx="2857500" cy="2209800"/>
+          </a:xfrm>
+          <a:prstGeom prst="rect">
+            <a:avLst/>
+          </a:prstGeom>
+        </p:spPr>
+      </p:pic>
+      <p:pic>
+        <p:nvPicPr>
+          <p:cNvPr id="15" name="Picture 14">
+            <a:extLst>
+              <a:ext uri="{FF2B5EF4-FFF2-40B4-BE49-F238E27FC236}">
+                <a16:creationId xmlns:a16="http://schemas.microsoft.com/office/drawing/2014/main" id="{D3C503E3-C9D4-4207-20EE-8AF791E657E0}"/>
+              </a:ext>
+            </a:extLst>
+          </p:cNvPr>
+          <p:cNvPicPr>
+            <a:picLocks noChangeAspect="1"/>
+          </p:cNvPicPr>
+          <p:nvPr/>
+        </p:nvPicPr>
+        <p:blipFill>
+          <a:blip r:embed="rId4"/>
+          <a:stretch>
+            <a:fillRect/>
+          </a:stretch>
+        </p:blipFill>
+        <p:spPr>
+          <a:xfrm>
+            <a:off x="6677353" y="4170363"/>
+            <a:ext cx="2705100" cy="2006600"/>
+          </a:xfrm>
+          <a:prstGeom prst="rect">
+            <a:avLst/>
+          </a:prstGeom>
+        </p:spPr>
+      </p:pic>
+      <p:sp>
+        <p:nvSpPr>
+          <p:cNvPr id="16" name="Right Arrow 15">
+            <a:extLst>
+              <a:ext uri="{FF2B5EF4-FFF2-40B4-BE49-F238E27FC236}">
+                <a16:creationId xmlns:a16="http://schemas.microsoft.com/office/drawing/2014/main" id="{F9804790-1A7B-9A67-EC0C-C1A52234B37E}"/>
+              </a:ext>
+            </a:extLst>
+          </p:cNvPr>
+          <p:cNvSpPr/>
+          <p:nvPr/>
+        </p:nvSpPr>
+        <p:spPr>
+          <a:xfrm>
+            <a:off x="4284502" y="4855779"/>
+            <a:ext cx="1948132" cy="536028"/>
+          </a:xfrm>
+          <a:prstGeom prst="rightArrow">
+            <a:avLst/>
+          </a:prstGeom>
+        </p:spPr>
+        <p:style>
+          <a:lnRef idx="2">
+            <a:schemeClr val="accent1">
+              <a:shade val="50000"/>
+            </a:schemeClr>
+          </a:lnRef>
+          <a:fillRef idx="1">
+            <a:schemeClr val="accent1"/>
+          </a:fillRef>
+          <a:effectRef idx="0">
+            <a:schemeClr val="accent1"/>
+          </a:effectRef>
+          <a:fontRef idx="minor">
+            <a:schemeClr val="lt1"/>
+          </a:fontRef>
+        </p:style>
+        <p:txBody>
+          <a:bodyPr rtlCol="0" anchor="ctr"/>
+          <a:lstStyle/>
+          <a:p>
+            <a:pPr algn="ctr"/>
+            <a:endParaRPr lang="en-US"/>
+          </a:p>
+        </p:txBody>
+      </p:sp>
+      <p:sp>
+        <p:nvSpPr>
+          <p:cNvPr id="17" name="TextBox 16">
+            <a:extLst>
+              <a:ext uri="{FF2B5EF4-FFF2-40B4-BE49-F238E27FC236}">
+                <a16:creationId xmlns:a16="http://schemas.microsoft.com/office/drawing/2014/main" id="{E6281AEA-CEF4-4ABD-7514-87886580EC33}"/>
+              </a:ext>
+            </a:extLst>
+          </p:cNvPr>
+          <p:cNvSpPr txBox="1"/>
+          <p:nvPr/>
+        </p:nvSpPr>
+        <p:spPr>
+          <a:xfrm>
+            <a:off x="4189172" y="4499808"/>
+            <a:ext cx="2138791" cy="369332"/>
+          </a:xfrm>
+          <a:prstGeom prst="rect">
+            <a:avLst/>
+          </a:prstGeom>
+          <a:noFill/>
+        </p:spPr>
+        <p:txBody>
+          <a:bodyPr wrap="none" rtlCol="0">
+            <a:spAutoFit/>
+          </a:bodyPr>
+          <a:lstStyle/>
+          <a:p>
+            <a:r>
+              <a:rPr lang="en-US" b="1" i="1" dirty="0" err="1"/>
+              <a:t>LatestEventToState</a:t>
+            </a:r>
+            <a:r>
+              <a:rPr lang="en-US" b="1" i="1" dirty="0"/>
+              <a:t>()</a:t>
+            </a:r>
+          </a:p>
+        </p:txBody>
+      </p:sp>
+    </p:spTree>
+    <p:extLst>
+      <p:ext uri="{BB962C8B-B14F-4D97-AF65-F5344CB8AC3E}">
+        <p14:creationId xmlns:p14="http://schemas.microsoft.com/office/powerpoint/2010/main" val="1694403053"/>
       </p:ext>
     </p:extLst>
   </p:cSld>
@@ -9640,6 +10920,35 @@
           <a:bodyPr/>
           <a:lstStyle/>
           <a:p>
+            <a:endParaRPr lang="en-US"/>
+          </a:p>
+        </p:txBody>
+      </p:sp>
+      <p:sp>
+        <p:nvSpPr>
+          <p:cNvPr id="4" name="Slide Number Placeholder 3">
+            <a:extLst>
+              <a:ext uri="{FF2B5EF4-FFF2-40B4-BE49-F238E27FC236}">
+                <a16:creationId xmlns:a16="http://schemas.microsoft.com/office/drawing/2014/main" id="{7B21BBC5-41BE-5CFB-A775-629C0F5BBCA1}"/>
+              </a:ext>
+            </a:extLst>
+          </p:cNvPr>
+          <p:cNvSpPr>
+            <a:spLocks noGrp="1"/>
+          </p:cNvSpPr>
+          <p:nvPr>
+            <p:ph type="sldNum" sz="quarter" idx="12"/>
+          </p:nvPr>
+        </p:nvSpPr>
+        <p:spPr/>
+        <p:txBody>
+          <a:bodyPr/>
+          <a:lstStyle/>
+          <a:p>
+            <a:fld id="{168CC379-262E-DA48-847F-4DFCCC6E20A6}" type="slidenum">
+              <a:rPr lang="en-US" smtClean="0"/>
+              <a:t>3</a:t>
+            </a:fld>
             <a:endParaRPr lang="en-US"/>
           </a:p>
         </p:txBody>
@@ -9727,6 +11036,35 @@
           </a:p>
         </p:txBody>
       </p:sp>
+      <p:sp>
+        <p:nvSpPr>
+          <p:cNvPr id="2" name="Slide Number Placeholder 1">
+            <a:extLst>
+              <a:ext uri="{FF2B5EF4-FFF2-40B4-BE49-F238E27FC236}">
+                <a16:creationId xmlns:a16="http://schemas.microsoft.com/office/drawing/2014/main" id="{6F5517E0-F0F0-83FD-146B-D42AD978A947}"/>
+              </a:ext>
+            </a:extLst>
+          </p:cNvPr>
+          <p:cNvSpPr>
+            <a:spLocks noGrp="1"/>
+          </p:cNvSpPr>
+          <p:nvPr>
+            <p:ph type="sldNum" sz="quarter" idx="12"/>
+          </p:nvPr>
+        </p:nvSpPr>
+        <p:spPr/>
+        <p:txBody>
+          <a:bodyPr/>
+          <a:lstStyle/>
+          <a:p>
+            <a:fld id="{168CC379-262E-DA48-847F-4DFCCC6E20A6}" type="slidenum">
+              <a:rPr lang="en-US" smtClean="0"/>
+              <a:t>4</a:t>
+            </a:fld>
+            <a:endParaRPr lang="en-US"/>
+          </a:p>
+        </p:txBody>
+      </p:sp>
     </p:spTree>
     <p:extLst>
       <p:ext uri="{BB962C8B-B14F-4D97-AF65-F5344CB8AC3E}">
@@ -9931,6 +11269,35 @@
           </a:p>
         </p:txBody>
       </p:sp>
+      <p:sp>
+        <p:nvSpPr>
+          <p:cNvPr id="2" name="Slide Number Placeholder 1">
+            <a:extLst>
+              <a:ext uri="{FF2B5EF4-FFF2-40B4-BE49-F238E27FC236}">
+                <a16:creationId xmlns:a16="http://schemas.microsoft.com/office/drawing/2014/main" id="{271BBE9D-EEA3-863A-E92E-5CAFF57062D7}"/>
+              </a:ext>
+            </a:extLst>
+          </p:cNvPr>
+          <p:cNvSpPr>
+            <a:spLocks noGrp="1"/>
+          </p:cNvSpPr>
+          <p:nvPr>
+            <p:ph type="sldNum" sz="quarter" idx="12"/>
+          </p:nvPr>
+        </p:nvSpPr>
+        <p:spPr/>
+        <p:txBody>
+          <a:bodyPr/>
+          <a:lstStyle/>
+          <a:p>
+            <a:fld id="{168CC379-262E-DA48-847F-4DFCCC6E20A6}" type="slidenum">
+              <a:rPr lang="en-US" smtClean="0"/>
+              <a:t>5</a:t>
+            </a:fld>
+            <a:endParaRPr lang="en-US"/>
+          </a:p>
+        </p:txBody>
+      </p:sp>
     </p:spTree>
     <p:extLst>
       <p:ext uri="{BB962C8B-B14F-4D97-AF65-F5344CB8AC3E}">
@@ -10072,6 +11439,35 @@
           </a:p>
         </p:txBody>
       </p:sp>
+      <p:sp>
+        <p:nvSpPr>
+          <p:cNvPr id="4" name="Slide Number Placeholder 3">
+            <a:extLst>
+              <a:ext uri="{FF2B5EF4-FFF2-40B4-BE49-F238E27FC236}">
+                <a16:creationId xmlns:a16="http://schemas.microsoft.com/office/drawing/2014/main" id="{242EDA0C-2852-AF55-A29F-92BF8ED47287}"/>
+              </a:ext>
+            </a:extLst>
+          </p:cNvPr>
+          <p:cNvSpPr>
+            <a:spLocks noGrp="1"/>
+          </p:cNvSpPr>
+          <p:nvPr>
+            <p:ph type="sldNum" sz="quarter" idx="12"/>
+          </p:nvPr>
+        </p:nvSpPr>
+        <p:spPr/>
+        <p:txBody>
+          <a:bodyPr/>
+          <a:lstStyle/>
+          <a:p>
+            <a:fld id="{168CC379-262E-DA48-847F-4DFCCC6E20A6}" type="slidenum">
+              <a:rPr lang="en-US" smtClean="0"/>
+              <a:t>6</a:t>
+            </a:fld>
+            <a:endParaRPr lang="en-US"/>
+          </a:p>
+        </p:txBody>
+      </p:sp>
     </p:spTree>
     <p:extLst>
       <p:ext uri="{BB962C8B-B14F-4D97-AF65-F5344CB8AC3E}">
@@ -10155,6 +11551,35 @@
           </a:p>
         </p:txBody>
       </p:sp>
+      <p:sp>
+        <p:nvSpPr>
+          <p:cNvPr id="4" name="Slide Number Placeholder 3">
+            <a:extLst>
+              <a:ext uri="{FF2B5EF4-FFF2-40B4-BE49-F238E27FC236}">
+                <a16:creationId xmlns:a16="http://schemas.microsoft.com/office/drawing/2014/main" id="{3E24FAA6-A6DD-135B-2202-5A75E2A837F9}"/>
+              </a:ext>
+            </a:extLst>
+          </p:cNvPr>
+          <p:cNvSpPr>
+            <a:spLocks noGrp="1"/>
+          </p:cNvSpPr>
+          <p:nvPr>
+            <p:ph type="sldNum" sz="quarter" idx="12"/>
+          </p:nvPr>
+        </p:nvSpPr>
+        <p:spPr/>
+        <p:txBody>
+          <a:bodyPr/>
+          <a:lstStyle/>
+          <a:p>
+            <a:fld id="{168CC379-262E-DA48-847F-4DFCCC6E20A6}" type="slidenum">
+              <a:rPr lang="en-US" smtClean="0"/>
+              <a:t>7</a:t>
+            </a:fld>
+            <a:endParaRPr lang="en-US"/>
+          </a:p>
+        </p:txBody>
+      </p:sp>
     </p:spTree>
     <p:extLst>
       <p:ext uri="{BB962C8B-B14F-4D97-AF65-F5344CB8AC3E}">
@@ -10369,6 +11794,35 @@
           </a:prstGeom>
         </p:spPr>
       </p:pic>
+      <p:sp>
+        <p:nvSpPr>
+          <p:cNvPr id="3" name="Slide Number Placeholder 2">
+            <a:extLst>
+              <a:ext uri="{FF2B5EF4-FFF2-40B4-BE49-F238E27FC236}">
+                <a16:creationId xmlns:a16="http://schemas.microsoft.com/office/drawing/2014/main" id="{3471DF38-36E6-C3B4-E405-C37BD811200C}"/>
+              </a:ext>
+            </a:extLst>
+          </p:cNvPr>
+          <p:cNvSpPr>
+            <a:spLocks noGrp="1"/>
+          </p:cNvSpPr>
+          <p:nvPr>
+            <p:ph type="sldNum" sz="quarter" idx="12"/>
+          </p:nvPr>
+        </p:nvSpPr>
+        <p:spPr/>
+        <p:txBody>
+          <a:bodyPr/>
+          <a:lstStyle/>
+          <a:p>
+            <a:fld id="{168CC379-262E-DA48-847F-4DFCCC6E20A6}" type="slidenum">
+              <a:rPr lang="en-US" smtClean="0"/>
+              <a:t>8</a:t>
+            </a:fld>
+            <a:endParaRPr lang="en-US"/>
+          </a:p>
+        </p:txBody>
+      </p:sp>
     </p:spTree>
     <p:extLst>
       <p:ext uri="{BB962C8B-B14F-4D97-AF65-F5344CB8AC3E}">
@@ -10699,6 +12153,35 @@
           </a:fontRef>
         </p:style>
       </p:cxnSp>
+      <p:sp>
+        <p:nvSpPr>
+          <p:cNvPr id="3" name="Slide Number Placeholder 2">
+            <a:extLst>
+              <a:ext uri="{FF2B5EF4-FFF2-40B4-BE49-F238E27FC236}">
+                <a16:creationId xmlns:a16="http://schemas.microsoft.com/office/drawing/2014/main" id="{7F1E88F4-CB6B-A78E-4231-38D5D0A38743}"/>
+              </a:ext>
+            </a:extLst>
+          </p:cNvPr>
+          <p:cNvSpPr>
+            <a:spLocks noGrp="1"/>
+          </p:cNvSpPr>
+          <p:nvPr>
+            <p:ph type="sldNum" sz="quarter" idx="12"/>
+          </p:nvPr>
+        </p:nvSpPr>
+        <p:spPr/>
+        <p:txBody>
+          <a:bodyPr/>
+          <a:lstStyle/>
+          <a:p>
+            <a:fld id="{168CC379-262E-DA48-847F-4DFCCC6E20A6}" type="slidenum">
+              <a:rPr lang="en-US" smtClean="0"/>
+              <a:t>9</a:t>
+            </a:fld>
+            <a:endParaRPr lang="en-US"/>
+          </a:p>
+        </p:txBody>
+      </p:sp>
     </p:spTree>
     <p:extLst>
       <p:ext uri="{BB962C8B-B14F-4D97-AF65-F5344CB8AC3E}">
@@ -11005,4 +12488,299 @@
     </a:ext>
   </a:extLst>
 </a:theme>
+</file>
+
+<file path=ppt/theme/theme2.xml><?xml version="1.0" encoding="utf-8"?>
+<a:theme xmlns:a="http://schemas.openxmlformats.org/drawingml/2006/main" name="Office Theme">
+  <a:themeElements>
+    <a:clrScheme name="Office">
+      <a:dk1>
+        <a:sysClr val="windowText" lastClr="000000"/>
+      </a:dk1>
+      <a:lt1>
+        <a:sysClr val="window" lastClr="FFFFFF"/>
+      </a:lt1>
+      <a:dk2>
+        <a:srgbClr val="44546A"/>
+      </a:dk2>
+      <a:lt2>
+        <a:srgbClr val="E7E6E6"/>
+      </a:lt2>
+      <a:accent1>
+        <a:srgbClr val="4472C4"/>
+      </a:accent1>
+      <a:accent2>
+        <a:srgbClr val="ED7D31"/>
+      </a:accent2>
+      <a:accent3>
+        <a:srgbClr val="A5A5A5"/>
+      </a:accent3>
+      <a:accent4>
+        <a:srgbClr val="FFC000"/>
+      </a:accent4>
+      <a:accent5>
+        <a:srgbClr val="5B9BD5"/>
+      </a:accent5>
+      <a:accent6>
+        <a:srgbClr val="70AD47"/>
+      </a:accent6>
+      <a:hlink>
+        <a:srgbClr val="0563C1"/>
+      </a:hlink>
+      <a:folHlink>
+        <a:srgbClr val="954F72"/>
+      </a:folHlink>
+    </a:clrScheme>
+    <a:fontScheme name="Office">
+      <a:majorFont>
+        <a:latin typeface="Calibri Light" panose="020F0302020204030204"/>
+        <a:ea typeface=""/>
+        <a:cs typeface=""/>
+        <a:font script="Jpan" typeface="游ゴシック Light"/>
+        <a:font script="Hang" typeface="맑은 고딕"/>
+        <a:font script="Hans" typeface="等线 Light"/>
+        <a:font script="Hant" typeface="新細明體"/>
+        <a:font script="Arab" typeface="Times New Roman"/>
+        <a:font script="Hebr" typeface="Times New Roman"/>
+        <a:font script="Thai" typeface="Angsana New"/>
+        <a:font script="Ethi" typeface="Nyala"/>
+        <a:font script="Beng" typeface="Vrinda"/>
+        <a:font script="Gujr" typeface="Shruti"/>
+        <a:font script="Khmr" typeface="MoolBoran"/>
+        <a:font script="Knda" typeface="Tunga"/>
+        <a:font script="Guru" typeface="Raavi"/>
+        <a:font script="Cans" typeface="Euphemia"/>
+        <a:font script="Cher" typeface="Plantagenet Cherokee"/>
+        <a:font script="Yiii" typeface="Microsoft Yi Baiti"/>
+        <a:font script="Tibt" typeface="Microsoft Himalaya"/>
+        <a:font script="Thaa" typeface="MV Boli"/>
+        <a:font script="Deva" typeface="Mangal"/>
+        <a:font script="Telu" typeface="Gautami"/>
+        <a:font script="Taml" typeface="Latha"/>
+        <a:font script="Syrc" typeface="Estrangelo Edessa"/>
+        <a:font script="Orya" typeface="Kalinga"/>
+        <a:font script="Mlym" typeface="Kartika"/>
+        <a:font script="Laoo" typeface="DokChampa"/>
+        <a:font script="Sinh" typeface="Iskoola Pota"/>
+        <a:font script="Mong" typeface="Mongolian Baiti"/>
+        <a:font script="Viet" typeface="Times New Roman"/>
+        <a:font script="Uigh" typeface="Microsoft Uighur"/>
+        <a:font script="Geor" typeface="Sylfaen"/>
+        <a:font script="Armn" typeface="Arial"/>
+        <a:font script="Bugi" typeface="Leelawadee UI"/>
+        <a:font script="Bopo" typeface="Microsoft JhengHei"/>
+        <a:font script="Java" typeface="Javanese Text"/>
+        <a:font script="Lisu" typeface="Segoe UI"/>
+        <a:font script="Mymr" typeface="Myanmar Text"/>
+        <a:font script="Nkoo" typeface="Ebrima"/>
+        <a:font script="Olck" typeface="Nirmala UI"/>
+        <a:font script="Osma" typeface="Ebrima"/>
+        <a:font script="Phag" typeface="Phagspa"/>
+        <a:font script="Syrn" typeface="Estrangelo Edessa"/>
+        <a:font script="Syrj" typeface="Estrangelo Edessa"/>
+        <a:font script="Syre" typeface="Estrangelo Edessa"/>
+        <a:font script="Sora" typeface="Nirmala UI"/>
+        <a:font script="Tale" typeface="Microsoft Tai Le"/>
+        <a:font script="Talu" typeface="Microsoft New Tai Lue"/>
+        <a:font script="Tfng" typeface="Ebrima"/>
+      </a:majorFont>
+      <a:minorFont>
+        <a:latin typeface="Calibri" panose="020F0502020204030204"/>
+        <a:ea typeface=""/>
+        <a:cs typeface=""/>
+        <a:font script="Jpan" typeface="游ゴシック"/>
+        <a:font script="Hang" typeface="맑은 고딕"/>
+        <a:font script="Hans" typeface="等线"/>
+        <a:font script="Hant" typeface="新細明體"/>
+        <a:font script="Arab" typeface="Arial"/>
+        <a:font script="Hebr" typeface="Arial"/>
+        <a:font script="Thai" typeface="Cordia New"/>
+        <a:font script="Ethi" typeface="Nyala"/>
+        <a:font script="Beng" typeface="Vrinda"/>
+        <a:font script="Gujr" typeface="Shruti"/>
+        <a:font script="Khmr" typeface="DaunPenh"/>
+        <a:font script="Knda" typeface="Tunga"/>
+        <a:font script="Guru" typeface="Raavi"/>
+        <a:font script="Cans" typeface="Euphemia"/>
+        <a:font script="Cher" typeface="Plantagenet Cherokee"/>
+        <a:font script="Yiii" typeface="Microsoft Yi Baiti"/>
+        <a:font script="Tibt" typeface="Microsoft Himalaya"/>
+        <a:font script="Thaa" typeface="MV Boli"/>
+        <a:font script="Deva" typeface="Mangal"/>
+        <a:font script="Telu" typeface="Gautami"/>
+        <a:font script="Taml" typeface="Latha"/>
+        <a:font script="Syrc" typeface="Estrangelo Edessa"/>
+        <a:font script="Orya" typeface="Kalinga"/>
+        <a:font script="Mlym" typeface="Kartika"/>
+        <a:font script="Laoo" typeface="DokChampa"/>
+        <a:font script="Sinh" typeface="Iskoola Pota"/>
+        <a:font script="Mong" typeface="Mongolian Baiti"/>
+        <a:font script="Viet" typeface="Arial"/>
+        <a:font script="Uigh" typeface="Microsoft Uighur"/>
+        <a:font script="Geor" typeface="Sylfaen"/>
+        <a:font script="Armn" typeface="Arial"/>
+        <a:font script="Bugi" typeface="Leelawadee UI"/>
+        <a:font script="Bopo" typeface="Microsoft JhengHei"/>
+        <a:font script="Java" typeface="Javanese Text"/>
+        <a:font script="Lisu" typeface="Segoe UI"/>
+        <a:font script="Mymr" typeface="Myanmar Text"/>
+        <a:font script="Nkoo" typeface="Ebrima"/>
+        <a:font script="Olck" typeface="Nirmala UI"/>
+        <a:font script="Osma" typeface="Ebrima"/>
+        <a:font script="Phag" typeface="Phagspa"/>
+        <a:font script="Syrn" typeface="Estrangelo Edessa"/>
+        <a:font script="Syrj" typeface="Estrangelo Edessa"/>
+        <a:font script="Syre" typeface="Estrangelo Edessa"/>
+        <a:font script="Sora" typeface="Nirmala UI"/>
+        <a:font script="Tale" typeface="Microsoft Tai Le"/>
+        <a:font script="Talu" typeface="Microsoft New Tai Lue"/>
+        <a:font script="Tfng" typeface="Ebrima"/>
+      </a:minorFont>
+    </a:fontScheme>
+    <a:fmtScheme name="Office">
+      <a:fillStyleLst>
+        <a:solidFill>
+          <a:schemeClr val="phClr"/>
+        </a:solidFill>
+        <a:gradFill rotWithShape="1">
+          <a:gsLst>
+            <a:gs pos="0">
+              <a:schemeClr val="phClr">
+                <a:lumMod val="110000"/>
+                <a:satMod val="105000"/>
+                <a:tint val="67000"/>
+              </a:schemeClr>
+            </a:gs>
+            <a:gs pos="50000">
+              <a:schemeClr val="phClr">
+                <a:lumMod val="105000"/>
+                <a:satMod val="103000"/>
+                <a:tint val="73000"/>
+              </a:schemeClr>
+            </a:gs>
+            <a:gs pos="100000">
+              <a:schemeClr val="phClr">
+                <a:lumMod val="105000"/>
+                <a:satMod val="109000"/>
+                <a:tint val="81000"/>
+              </a:schemeClr>
+            </a:gs>
+          </a:gsLst>
+          <a:lin ang="5400000" scaled="0"/>
+        </a:gradFill>
+        <a:gradFill rotWithShape="1">
+          <a:gsLst>
+            <a:gs pos="0">
+              <a:schemeClr val="phClr">
+                <a:satMod val="103000"/>
+                <a:lumMod val="102000"/>
+                <a:tint val="94000"/>
+              </a:schemeClr>
+            </a:gs>
+            <a:gs pos="50000">
+              <a:schemeClr val="phClr">
+                <a:satMod val="110000"/>
+                <a:lumMod val="100000"/>
+                <a:shade val="100000"/>
+              </a:schemeClr>
+            </a:gs>
+            <a:gs pos="100000">
+              <a:schemeClr val="phClr">
+                <a:lumMod val="99000"/>
+                <a:satMod val="120000"/>
+                <a:shade val="78000"/>
+              </a:schemeClr>
+            </a:gs>
+          </a:gsLst>
+          <a:lin ang="5400000" scaled="0"/>
+        </a:gradFill>
+      </a:fillStyleLst>
+      <a:lnStyleLst>
+        <a:ln w="6350" cap="flat" cmpd="sng" algn="ctr">
+          <a:solidFill>
+            <a:schemeClr val="phClr"/>
+          </a:solidFill>
+          <a:prstDash val="solid"/>
+          <a:miter lim="800000"/>
+        </a:ln>
+        <a:ln w="12700" cap="flat" cmpd="sng" algn="ctr">
+          <a:solidFill>
+            <a:schemeClr val="phClr"/>
+          </a:solidFill>
+          <a:prstDash val="solid"/>
+          <a:miter lim="800000"/>
+        </a:ln>
+        <a:ln w="19050" cap="flat" cmpd="sng" algn="ctr">
+          <a:solidFill>
+            <a:schemeClr val="phClr"/>
+          </a:solidFill>
+          <a:prstDash val="solid"/>
+          <a:miter lim="800000"/>
+        </a:ln>
+      </a:lnStyleLst>
+      <a:effectStyleLst>
+        <a:effectStyle>
+          <a:effectLst/>
+        </a:effectStyle>
+        <a:effectStyle>
+          <a:effectLst/>
+        </a:effectStyle>
+        <a:effectStyle>
+          <a:effectLst>
+            <a:outerShdw blurRad="57150" dist="19050" dir="5400000" algn="ctr" rotWithShape="0">
+              <a:srgbClr val="000000">
+                <a:alpha val="63000"/>
+              </a:srgbClr>
+            </a:outerShdw>
+          </a:effectLst>
+        </a:effectStyle>
+      </a:effectStyleLst>
+      <a:bgFillStyleLst>
+        <a:solidFill>
+          <a:schemeClr val="phClr"/>
+        </a:solidFill>
+        <a:solidFill>
+          <a:schemeClr val="phClr">
+            <a:tint val="95000"/>
+            <a:satMod val="170000"/>
+          </a:schemeClr>
+        </a:solidFill>
+        <a:gradFill rotWithShape="1">
+          <a:gsLst>
+            <a:gs pos="0">
+              <a:schemeClr val="phClr">
+                <a:tint val="93000"/>
+                <a:satMod val="150000"/>
+                <a:shade val="98000"/>
+                <a:lumMod val="102000"/>
+              </a:schemeClr>
+            </a:gs>
+            <a:gs pos="50000">
+              <a:schemeClr val="phClr">
+                <a:tint val="98000"/>
+                <a:satMod val="130000"/>
+                <a:shade val="90000"/>
+                <a:lumMod val="103000"/>
+              </a:schemeClr>
+            </a:gs>
+            <a:gs pos="100000">
+              <a:schemeClr val="phClr">
+                <a:shade val="63000"/>
+                <a:satMod val="120000"/>
+              </a:schemeClr>
+            </a:gs>
+          </a:gsLst>
+          <a:lin ang="5400000" scaled="0"/>
+        </a:gradFill>
+      </a:bgFillStyleLst>
+    </a:fmtScheme>
+  </a:themeElements>
+  <a:objectDefaults/>
+  <a:extraClrSchemeLst/>
+  <a:extLst>
+    <a:ext uri="{05A4C25C-085E-4340-85A3-A5531E510DB2}">
+      <thm15:themeFamily xmlns:thm15="http://schemas.microsoft.com/office/thememl/2012/main" name="Office Theme" id="{62F939B6-93AF-4DB8-9C6B-D6C7DFDC589F}" vid="{4A3C46E8-61CC-4603-A589-7422A47A8E4A}"/>
+    </a:ext>
+  </a:extLst>
+</a:theme>
 </file>